--- a/shot_004/summary.pptx
+++ b/shot_004/summary.pptx
@@ -12,6 +12,7 @@
     <p:sldId id="259" r:id="rId6"/>
     <p:sldId id="258" r:id="rId7"/>
     <p:sldId id="257" r:id="rId8"/>
+    <p:sldId id="263" r:id="rId9"/>
   </p:sldIdLst>
   <p:sldSz cx="12192000" cy="6858000"/>
   <p:notesSz cx="6858000" cy="9144000"/>
@@ -3040,6 +3041,13 @@
   <p:clrMapOvr>
     <a:masterClrMapping/>
   </p:clrMapOvr>
+  <p:timing>
+    <p:tnLst>
+      <p:par>
+        <p:cTn id="1" dur="indefinite" restart="never" nodeType="tmRoot"/>
+      </p:par>
+    </p:tnLst>
+  </p:timing>
 </p:sld>
 </file>
 
@@ -3130,6 +3138,13 @@
   <p:clrMapOvr>
     <a:masterClrMapping/>
   </p:clrMapOvr>
+  <p:timing>
+    <p:tnLst>
+      <p:par>
+        <p:cTn id="1" dur="indefinite" restart="never" nodeType="tmRoot"/>
+      </p:par>
+    </p:tnLst>
+  </p:timing>
 </p:sld>
 </file>
 
@@ -3220,6 +3235,13 @@
   <p:clrMapOvr>
     <a:masterClrMapping/>
   </p:clrMapOvr>
+  <p:timing>
+    <p:tnLst>
+      <p:par>
+        <p:cTn id="1" dur="indefinite" restart="never" nodeType="tmRoot"/>
+      </p:par>
+    </p:tnLst>
+  </p:timing>
 </p:sld>
 </file>
 
@@ -3310,6 +3332,13 @@
   <p:clrMapOvr>
     <a:masterClrMapping/>
   </p:clrMapOvr>
+  <p:timing>
+    <p:tnLst>
+      <p:par>
+        <p:cTn id="1" dur="indefinite" restart="never" nodeType="tmRoot"/>
+      </p:par>
+    </p:tnLst>
+  </p:timing>
 </p:sld>
 </file>
 
@@ -3400,6 +3429,13 @@
   <p:clrMapOvr>
     <a:masterClrMapping/>
   </p:clrMapOvr>
+  <p:timing>
+    <p:tnLst>
+      <p:par>
+        <p:cTn id="1" dur="indefinite" restart="never" nodeType="tmRoot"/>
+      </p:par>
+    </p:tnLst>
+  </p:timing>
 </p:sld>
 </file>
 
@@ -3490,6 +3526,13 @@
   <p:clrMapOvr>
     <a:masterClrMapping/>
   </p:clrMapOvr>
+  <p:timing>
+    <p:tnLst>
+      <p:par>
+        <p:cTn id="1" dur="indefinite" restart="never" nodeType="tmRoot"/>
+      </p:par>
+    </p:tnLst>
+  </p:timing>
 </p:sld>
 </file>
 
@@ -3580,6 +3623,110 @@
   <p:clrMapOvr>
     <a:masterClrMapping/>
   </p:clrMapOvr>
+  <p:timing>
+    <p:tnLst>
+      <p:par>
+        <p:cTn id="1" dur="indefinite" restart="never" nodeType="tmRoot"/>
+      </p:par>
+    </p:tnLst>
+  </p:timing>
+</p:sld>
+</file>
+
+<file path=ppt/slides/slide8.xml><?xml version="1.0" encoding="utf-8"?>
+<p:sld xmlns:a="http://schemas.openxmlformats.org/drawingml/2006/main" xmlns:r="http://schemas.openxmlformats.org/officeDocument/2006/relationships" xmlns:p="http://schemas.openxmlformats.org/presentationml/2006/main">
+  <p:cSld>
+    <p:spTree>
+      <p:nvGrpSpPr>
+        <p:cNvPr id="1" name=""/>
+        <p:cNvGrpSpPr/>
+        <p:nvPr/>
+      </p:nvGrpSpPr>
+      <p:grpSpPr>
+        <a:xfrm>
+          <a:off x="0" y="0"/>
+          <a:ext cx="0" cy="0"/>
+          <a:chOff x="0" y="0"/>
+          <a:chExt cx="0" cy="0"/>
+        </a:xfrm>
+      </p:grpSpPr>
+      <p:pic>
+        <p:nvPicPr>
+          <p:cNvPr id="2" name="Picture 1"/>
+          <p:cNvPicPr>
+            <a:picLocks noChangeAspect="1"/>
+          </p:cNvPicPr>
+          <p:nvPr/>
+        </p:nvPicPr>
+        <p:blipFill>
+          <a:blip r:embed="rId2">
+            <a:extLst>
+              <a:ext uri="{28A0092B-C50C-407E-A947-70E740481C1C}">
+                <a14:useLocalDpi xmlns:a14="http://schemas.microsoft.com/office/drawing/2010/main" val="0"/>
+              </a:ext>
+            </a:extLst>
+          </a:blip>
+          <a:stretch>
+            <a:fillRect/>
+          </a:stretch>
+        </p:blipFill>
+        <p:spPr>
+          <a:xfrm>
+            <a:off x="0" y="0"/>
+            <a:ext cx="5943600" cy="5330309"/>
+          </a:xfrm>
+          <a:prstGeom prst="rect">
+            <a:avLst/>
+          </a:prstGeom>
+        </p:spPr>
+      </p:pic>
+      <p:pic>
+        <p:nvPicPr>
+          <p:cNvPr id="3" name="Picture 2"/>
+          <p:cNvPicPr>
+            <a:picLocks noChangeAspect="1"/>
+          </p:cNvPicPr>
+          <p:nvPr/>
+        </p:nvPicPr>
+        <p:blipFill>
+          <a:blip r:embed="rId3">
+            <a:extLst>
+              <a:ext uri="{28A0092B-C50C-407E-A947-70E740481C1C}">
+                <a14:useLocalDpi xmlns:a14="http://schemas.microsoft.com/office/drawing/2010/main" val="0"/>
+              </a:ext>
+            </a:extLst>
+          </a:blip>
+          <a:stretch>
+            <a:fillRect/>
+          </a:stretch>
+        </p:blipFill>
+        <p:spPr>
+          <a:xfrm>
+            <a:off x="5943600" y="0"/>
+            <a:ext cx="5943600" cy="5330309"/>
+          </a:xfrm>
+          <a:prstGeom prst="rect">
+            <a:avLst/>
+          </a:prstGeom>
+        </p:spPr>
+      </p:pic>
+    </p:spTree>
+    <p:extLst>
+      <p:ext uri="{BB962C8B-B14F-4D97-AF65-F5344CB8AC3E}">
+        <p14:creationId xmlns:p14="http://schemas.microsoft.com/office/powerpoint/2010/main" val="349968018"/>
+      </p:ext>
+    </p:extLst>
+  </p:cSld>
+  <p:clrMapOvr>
+    <a:masterClrMapping/>
+  </p:clrMapOvr>
+  <p:timing>
+    <p:tnLst>
+      <p:par>
+        <p:cTn id="1" dur="indefinite" restart="never" nodeType="tmRoot"/>
+      </p:par>
+    </p:tnLst>
+  </p:timing>
 </p:sld>
 </file>
 

--- a/shot_004/summary.pptx
+++ b/shot_004/summary.pptx
@@ -5,14 +5,15 @@
     <p:sldMasterId id="2147483648" r:id="rId1"/>
   </p:sldMasterIdLst>
   <p:sldIdLst>
-    <p:sldId id="256" r:id="rId2"/>
-    <p:sldId id="262" r:id="rId3"/>
-    <p:sldId id="261" r:id="rId4"/>
-    <p:sldId id="260" r:id="rId5"/>
-    <p:sldId id="259" r:id="rId6"/>
-    <p:sldId id="258" r:id="rId7"/>
-    <p:sldId id="257" r:id="rId8"/>
-    <p:sldId id="263" r:id="rId9"/>
+    <p:sldId id="264" r:id="rId2"/>
+    <p:sldId id="256" r:id="rId3"/>
+    <p:sldId id="262" r:id="rId4"/>
+    <p:sldId id="261" r:id="rId5"/>
+    <p:sldId id="260" r:id="rId6"/>
+    <p:sldId id="259" r:id="rId7"/>
+    <p:sldId id="258" r:id="rId8"/>
+    <p:sldId id="257" r:id="rId9"/>
+    <p:sldId id="263" r:id="rId10"/>
   </p:sldIdLst>
   <p:sldSz cx="12192000" cy="6858000"/>
   <p:notesSz cx="6858000" cy="9144000"/>
@@ -2973,7 +2974,7 @@
       </p:grpSpPr>
       <p:pic>
         <p:nvPicPr>
-          <p:cNvPr id="4" name="Picture 3"/>
+          <p:cNvPr id="2" name="Picture 1"/>
           <p:cNvPicPr>
             <a:picLocks noChangeAspect="1"/>
           </p:cNvPicPr>
@@ -3003,7 +3004,7 @@
       </p:pic>
       <p:pic>
         <p:nvPicPr>
-          <p:cNvPr id="5" name="Picture 4"/>
+          <p:cNvPr id="3" name="Picture 2"/>
           <p:cNvPicPr>
             <a:picLocks noChangeAspect="1"/>
           </p:cNvPicPr>
@@ -3023,31 +3024,204 @@
         </p:blipFill>
         <p:spPr>
           <a:xfrm>
-            <a:off x="5943600" y="-2"/>
-            <a:ext cx="5943600" cy="5330311"/>
+            <a:off x="5943600" y="0"/>
+            <a:ext cx="5943600" cy="5330309"/>
           </a:xfrm>
           <a:prstGeom prst="rect">
             <a:avLst/>
           </a:prstGeom>
         </p:spPr>
       </p:pic>
+      <p:sp>
+        <p:nvSpPr>
+          <p:cNvPr id="4" name="TextBox 3"/>
+          <p:cNvSpPr txBox="1"/>
+          <p:nvPr/>
+        </p:nvSpPr>
+        <p:spPr>
+          <a:xfrm>
+            <a:off x="967128" y="5343372"/>
+            <a:ext cx="423514" cy="369332"/>
+          </a:xfrm>
+          <a:prstGeom prst="rect">
+            <a:avLst/>
+          </a:prstGeom>
+          <a:noFill/>
+        </p:spPr>
+        <p:txBody>
+          <a:bodyPr wrap="none" rtlCol="0">
+            <a:spAutoFit/>
+          </a:bodyPr>
+          <a:lstStyle/>
+          <a:p>
+            <a:r>
+              <a:rPr lang="en-US" smtClean="0"/>
+              <a:t>All</a:t>
+            </a:r>
+            <a:endParaRPr lang="en-US"/>
+          </a:p>
+        </p:txBody>
+      </p:sp>
+      <p:sp>
+        <p:nvSpPr>
+          <p:cNvPr id="5" name="TextBox 4"/>
+          <p:cNvSpPr txBox="1"/>
+          <p:nvPr/>
+        </p:nvSpPr>
+        <p:spPr>
+          <a:xfrm>
+            <a:off x="2416701" y="5357402"/>
+            <a:ext cx="1406860" cy="369332"/>
+          </a:xfrm>
+          <a:prstGeom prst="rect">
+            <a:avLst/>
+          </a:prstGeom>
+          <a:noFill/>
+        </p:spPr>
+        <p:txBody>
+          <a:bodyPr wrap="none" rtlCol="0">
+            <a:spAutoFit/>
+          </a:bodyPr>
+          <a:lstStyle/>
+          <a:p>
+            <a:r>
+              <a:rPr lang="en-US" smtClean="0"/>
+              <a:t>Visible Loops</a:t>
+            </a:r>
+            <a:endParaRPr lang="en-US" dirty="0"/>
+          </a:p>
+        </p:txBody>
+      </p:sp>
+      <p:sp>
+        <p:nvSpPr>
+          <p:cNvPr id="6" name="TextBox 5"/>
+          <p:cNvSpPr txBox="1"/>
+          <p:nvPr/>
+        </p:nvSpPr>
+        <p:spPr>
+          <a:xfrm>
+            <a:off x="4440431" y="5343372"/>
+            <a:ext cx="1363002" cy="369332"/>
+          </a:xfrm>
+          <a:prstGeom prst="rect">
+            <a:avLst/>
+          </a:prstGeom>
+          <a:noFill/>
+        </p:spPr>
+        <p:txBody>
+          <a:bodyPr wrap="none" rtlCol="0">
+            <a:spAutoFit/>
+          </a:bodyPr>
+          <a:lstStyle/>
+          <a:p>
+            <a:r>
+              <a:rPr lang="en-US" dirty="0" smtClean="0"/>
+              <a:t>Visible Voids</a:t>
+            </a:r>
+            <a:endParaRPr lang="en-US" dirty="0"/>
+          </a:p>
+        </p:txBody>
+      </p:sp>
+      <p:sp>
+        <p:nvSpPr>
+          <p:cNvPr id="7" name="TextBox 6"/>
+          <p:cNvSpPr txBox="1"/>
+          <p:nvPr/>
+        </p:nvSpPr>
+        <p:spPr>
+          <a:xfrm>
+            <a:off x="6910728" y="5329342"/>
+            <a:ext cx="423514" cy="369332"/>
+          </a:xfrm>
+          <a:prstGeom prst="rect">
+            <a:avLst/>
+          </a:prstGeom>
+          <a:noFill/>
+        </p:spPr>
+        <p:txBody>
+          <a:bodyPr wrap="none" rtlCol="0">
+            <a:spAutoFit/>
+          </a:bodyPr>
+          <a:lstStyle/>
+          <a:p>
+            <a:r>
+              <a:rPr lang="en-US" smtClean="0"/>
+              <a:t>All</a:t>
+            </a:r>
+            <a:endParaRPr lang="en-US"/>
+          </a:p>
+        </p:txBody>
+      </p:sp>
+      <p:sp>
+        <p:nvSpPr>
+          <p:cNvPr id="8" name="TextBox 7"/>
+          <p:cNvSpPr txBox="1"/>
+          <p:nvPr/>
+        </p:nvSpPr>
+        <p:spPr>
+          <a:xfrm>
+            <a:off x="8360301" y="5343372"/>
+            <a:ext cx="1406860" cy="369332"/>
+          </a:xfrm>
+          <a:prstGeom prst="rect">
+            <a:avLst/>
+          </a:prstGeom>
+          <a:noFill/>
+        </p:spPr>
+        <p:txBody>
+          <a:bodyPr wrap="none" rtlCol="0">
+            <a:spAutoFit/>
+          </a:bodyPr>
+          <a:lstStyle/>
+          <a:p>
+            <a:r>
+              <a:rPr lang="en-US" smtClean="0"/>
+              <a:t>Visible Loops</a:t>
+            </a:r>
+            <a:endParaRPr lang="en-US" dirty="0"/>
+          </a:p>
+        </p:txBody>
+      </p:sp>
+      <p:sp>
+        <p:nvSpPr>
+          <p:cNvPr id="9" name="TextBox 8"/>
+          <p:cNvSpPr txBox="1"/>
+          <p:nvPr/>
+        </p:nvSpPr>
+        <p:spPr>
+          <a:xfrm>
+            <a:off x="10384031" y="5329342"/>
+            <a:ext cx="1363002" cy="369332"/>
+          </a:xfrm>
+          <a:prstGeom prst="rect">
+            <a:avLst/>
+          </a:prstGeom>
+          <a:noFill/>
+        </p:spPr>
+        <p:txBody>
+          <a:bodyPr wrap="none" rtlCol="0">
+            <a:spAutoFit/>
+          </a:bodyPr>
+          <a:lstStyle/>
+          <a:p>
+            <a:r>
+              <a:rPr lang="en-US" dirty="0" smtClean="0"/>
+              <a:t>Visible Voids</a:t>
+            </a:r>
+            <a:endParaRPr lang="en-US" dirty="0"/>
+          </a:p>
+        </p:txBody>
+      </p:sp>
     </p:spTree>
     <p:extLst>
       <p:ext uri="{BB962C8B-B14F-4D97-AF65-F5344CB8AC3E}">
-        <p14:creationId xmlns:p14="http://schemas.microsoft.com/office/powerpoint/2010/main" val="381737026"/>
+        <p14:creationId xmlns:p14="http://schemas.microsoft.com/office/powerpoint/2010/main" val="376437101"/>
       </p:ext>
     </p:extLst>
   </p:cSld>
   <p:clrMapOvr>
     <a:masterClrMapping/>
   </p:clrMapOvr>
-  <p:timing>
-    <p:tnLst>
-      <p:par>
-        <p:cTn id="1" dur="indefinite" restart="never" nodeType="tmRoot"/>
-      </p:par>
-    </p:tnLst>
-  </p:timing>
 </p:sld>
 </file>
 
@@ -3100,7 +3274,7 @@
       </p:pic>
       <p:pic>
         <p:nvPicPr>
-          <p:cNvPr id="2" name="Picture 1"/>
+          <p:cNvPr id="5" name="Picture 4"/>
           <p:cNvPicPr>
             <a:picLocks noChangeAspect="1"/>
           </p:cNvPicPr>
@@ -3120,7 +3294,7 @@
         </p:blipFill>
         <p:spPr>
           <a:xfrm>
-            <a:off x="5943600" y="0"/>
+            <a:off x="5943600" y="-2"/>
             <a:ext cx="5943600" cy="5330311"/>
           </a:xfrm>
           <a:prstGeom prst="rect">
@@ -3128,10 +3302,190 @@
           </a:prstGeom>
         </p:spPr>
       </p:pic>
+      <p:sp>
+        <p:nvSpPr>
+          <p:cNvPr id="6" name="TextBox 5"/>
+          <p:cNvSpPr txBox="1"/>
+          <p:nvPr/>
+        </p:nvSpPr>
+        <p:spPr>
+          <a:xfrm>
+            <a:off x="967128" y="5330309"/>
+            <a:ext cx="423514" cy="369332"/>
+          </a:xfrm>
+          <a:prstGeom prst="rect">
+            <a:avLst/>
+          </a:prstGeom>
+          <a:noFill/>
+        </p:spPr>
+        <p:txBody>
+          <a:bodyPr wrap="none" rtlCol="0">
+            <a:spAutoFit/>
+          </a:bodyPr>
+          <a:lstStyle/>
+          <a:p>
+            <a:r>
+              <a:rPr lang="en-US" smtClean="0"/>
+              <a:t>All</a:t>
+            </a:r>
+            <a:endParaRPr lang="en-US"/>
+          </a:p>
+        </p:txBody>
+      </p:sp>
+      <p:sp>
+        <p:nvSpPr>
+          <p:cNvPr id="7" name="TextBox 6"/>
+          <p:cNvSpPr txBox="1"/>
+          <p:nvPr/>
+        </p:nvSpPr>
+        <p:spPr>
+          <a:xfrm>
+            <a:off x="2416701" y="5344339"/>
+            <a:ext cx="1406860" cy="369332"/>
+          </a:xfrm>
+          <a:prstGeom prst="rect">
+            <a:avLst/>
+          </a:prstGeom>
+          <a:noFill/>
+        </p:spPr>
+        <p:txBody>
+          <a:bodyPr wrap="none" rtlCol="0">
+            <a:spAutoFit/>
+          </a:bodyPr>
+          <a:lstStyle/>
+          <a:p>
+            <a:r>
+              <a:rPr lang="en-US" smtClean="0"/>
+              <a:t>Visible Loops</a:t>
+            </a:r>
+            <a:endParaRPr lang="en-US" dirty="0"/>
+          </a:p>
+        </p:txBody>
+      </p:sp>
+      <p:sp>
+        <p:nvSpPr>
+          <p:cNvPr id="8" name="TextBox 7"/>
+          <p:cNvSpPr txBox="1"/>
+          <p:nvPr/>
+        </p:nvSpPr>
+        <p:spPr>
+          <a:xfrm>
+            <a:off x="4440431" y="5330309"/>
+            <a:ext cx="1363002" cy="369332"/>
+          </a:xfrm>
+          <a:prstGeom prst="rect">
+            <a:avLst/>
+          </a:prstGeom>
+          <a:noFill/>
+        </p:spPr>
+        <p:txBody>
+          <a:bodyPr wrap="none" rtlCol="0">
+            <a:spAutoFit/>
+          </a:bodyPr>
+          <a:lstStyle/>
+          <a:p>
+            <a:r>
+              <a:rPr lang="en-US" dirty="0" smtClean="0"/>
+              <a:t>Visible Voids</a:t>
+            </a:r>
+            <a:endParaRPr lang="en-US" dirty="0"/>
+          </a:p>
+        </p:txBody>
+      </p:sp>
+      <p:sp>
+        <p:nvSpPr>
+          <p:cNvPr id="9" name="TextBox 8"/>
+          <p:cNvSpPr txBox="1"/>
+          <p:nvPr/>
+        </p:nvSpPr>
+        <p:spPr>
+          <a:xfrm>
+            <a:off x="6910728" y="5316279"/>
+            <a:ext cx="423514" cy="369332"/>
+          </a:xfrm>
+          <a:prstGeom prst="rect">
+            <a:avLst/>
+          </a:prstGeom>
+          <a:noFill/>
+        </p:spPr>
+        <p:txBody>
+          <a:bodyPr wrap="none" rtlCol="0">
+            <a:spAutoFit/>
+          </a:bodyPr>
+          <a:lstStyle/>
+          <a:p>
+            <a:r>
+              <a:rPr lang="en-US" smtClean="0"/>
+              <a:t>All</a:t>
+            </a:r>
+            <a:endParaRPr lang="en-US"/>
+          </a:p>
+        </p:txBody>
+      </p:sp>
+      <p:sp>
+        <p:nvSpPr>
+          <p:cNvPr id="10" name="TextBox 9"/>
+          <p:cNvSpPr txBox="1"/>
+          <p:nvPr/>
+        </p:nvSpPr>
+        <p:spPr>
+          <a:xfrm>
+            <a:off x="8360301" y="5330309"/>
+            <a:ext cx="1406860" cy="369332"/>
+          </a:xfrm>
+          <a:prstGeom prst="rect">
+            <a:avLst/>
+          </a:prstGeom>
+          <a:noFill/>
+        </p:spPr>
+        <p:txBody>
+          <a:bodyPr wrap="none" rtlCol="0">
+            <a:spAutoFit/>
+          </a:bodyPr>
+          <a:lstStyle/>
+          <a:p>
+            <a:r>
+              <a:rPr lang="en-US" smtClean="0"/>
+              <a:t>Visible Loops</a:t>
+            </a:r>
+            <a:endParaRPr lang="en-US" dirty="0"/>
+          </a:p>
+        </p:txBody>
+      </p:sp>
+      <p:sp>
+        <p:nvSpPr>
+          <p:cNvPr id="11" name="TextBox 10"/>
+          <p:cNvSpPr txBox="1"/>
+          <p:nvPr/>
+        </p:nvSpPr>
+        <p:spPr>
+          <a:xfrm>
+            <a:off x="10384031" y="5316279"/>
+            <a:ext cx="1363002" cy="369332"/>
+          </a:xfrm>
+          <a:prstGeom prst="rect">
+            <a:avLst/>
+          </a:prstGeom>
+          <a:noFill/>
+        </p:spPr>
+        <p:txBody>
+          <a:bodyPr wrap="none" rtlCol="0">
+            <a:spAutoFit/>
+          </a:bodyPr>
+          <a:lstStyle/>
+          <a:p>
+            <a:r>
+              <a:rPr lang="en-US" dirty="0" smtClean="0"/>
+              <a:t>Visible Voids</a:t>
+            </a:r>
+            <a:endParaRPr lang="en-US" dirty="0"/>
+          </a:p>
+        </p:txBody>
+      </p:sp>
     </p:spTree>
     <p:extLst>
       <p:ext uri="{BB962C8B-B14F-4D97-AF65-F5344CB8AC3E}">
-        <p14:creationId xmlns:p14="http://schemas.microsoft.com/office/powerpoint/2010/main" val="1524364700"/>
+        <p14:creationId xmlns:p14="http://schemas.microsoft.com/office/powerpoint/2010/main" val="381737026"/>
       </p:ext>
     </p:extLst>
   </p:cSld>
@@ -3225,10 +3579,190 @@
           </a:prstGeom>
         </p:spPr>
       </p:pic>
+      <p:sp>
+        <p:nvSpPr>
+          <p:cNvPr id="5" name="TextBox 4"/>
+          <p:cNvSpPr txBox="1"/>
+          <p:nvPr/>
+        </p:nvSpPr>
+        <p:spPr>
+          <a:xfrm>
+            <a:off x="967128" y="5330309"/>
+            <a:ext cx="423514" cy="369332"/>
+          </a:xfrm>
+          <a:prstGeom prst="rect">
+            <a:avLst/>
+          </a:prstGeom>
+          <a:noFill/>
+        </p:spPr>
+        <p:txBody>
+          <a:bodyPr wrap="none" rtlCol="0">
+            <a:spAutoFit/>
+          </a:bodyPr>
+          <a:lstStyle/>
+          <a:p>
+            <a:r>
+              <a:rPr lang="en-US" smtClean="0"/>
+              <a:t>All</a:t>
+            </a:r>
+            <a:endParaRPr lang="en-US"/>
+          </a:p>
+        </p:txBody>
+      </p:sp>
+      <p:sp>
+        <p:nvSpPr>
+          <p:cNvPr id="6" name="TextBox 5"/>
+          <p:cNvSpPr txBox="1"/>
+          <p:nvPr/>
+        </p:nvSpPr>
+        <p:spPr>
+          <a:xfrm>
+            <a:off x="2416701" y="5344339"/>
+            <a:ext cx="1406860" cy="369332"/>
+          </a:xfrm>
+          <a:prstGeom prst="rect">
+            <a:avLst/>
+          </a:prstGeom>
+          <a:noFill/>
+        </p:spPr>
+        <p:txBody>
+          <a:bodyPr wrap="none" rtlCol="0">
+            <a:spAutoFit/>
+          </a:bodyPr>
+          <a:lstStyle/>
+          <a:p>
+            <a:r>
+              <a:rPr lang="en-US" smtClean="0"/>
+              <a:t>Visible Loops</a:t>
+            </a:r>
+            <a:endParaRPr lang="en-US" dirty="0"/>
+          </a:p>
+        </p:txBody>
+      </p:sp>
+      <p:sp>
+        <p:nvSpPr>
+          <p:cNvPr id="7" name="TextBox 6"/>
+          <p:cNvSpPr txBox="1"/>
+          <p:nvPr/>
+        </p:nvSpPr>
+        <p:spPr>
+          <a:xfrm>
+            <a:off x="4440431" y="5330309"/>
+            <a:ext cx="1363002" cy="369332"/>
+          </a:xfrm>
+          <a:prstGeom prst="rect">
+            <a:avLst/>
+          </a:prstGeom>
+          <a:noFill/>
+        </p:spPr>
+        <p:txBody>
+          <a:bodyPr wrap="none" rtlCol="0">
+            <a:spAutoFit/>
+          </a:bodyPr>
+          <a:lstStyle/>
+          <a:p>
+            <a:r>
+              <a:rPr lang="en-US" dirty="0" smtClean="0"/>
+              <a:t>Visible Voids</a:t>
+            </a:r>
+            <a:endParaRPr lang="en-US" dirty="0"/>
+          </a:p>
+        </p:txBody>
+      </p:sp>
+      <p:sp>
+        <p:nvSpPr>
+          <p:cNvPr id="8" name="TextBox 7"/>
+          <p:cNvSpPr txBox="1"/>
+          <p:nvPr/>
+        </p:nvSpPr>
+        <p:spPr>
+          <a:xfrm>
+            <a:off x="6910728" y="5316279"/>
+            <a:ext cx="423514" cy="369332"/>
+          </a:xfrm>
+          <a:prstGeom prst="rect">
+            <a:avLst/>
+          </a:prstGeom>
+          <a:noFill/>
+        </p:spPr>
+        <p:txBody>
+          <a:bodyPr wrap="none" rtlCol="0">
+            <a:spAutoFit/>
+          </a:bodyPr>
+          <a:lstStyle/>
+          <a:p>
+            <a:r>
+              <a:rPr lang="en-US" smtClean="0"/>
+              <a:t>All</a:t>
+            </a:r>
+            <a:endParaRPr lang="en-US"/>
+          </a:p>
+        </p:txBody>
+      </p:sp>
+      <p:sp>
+        <p:nvSpPr>
+          <p:cNvPr id="9" name="TextBox 8"/>
+          <p:cNvSpPr txBox="1"/>
+          <p:nvPr/>
+        </p:nvSpPr>
+        <p:spPr>
+          <a:xfrm>
+            <a:off x="8360301" y="5330309"/>
+            <a:ext cx="1406860" cy="369332"/>
+          </a:xfrm>
+          <a:prstGeom prst="rect">
+            <a:avLst/>
+          </a:prstGeom>
+          <a:noFill/>
+        </p:spPr>
+        <p:txBody>
+          <a:bodyPr wrap="none" rtlCol="0">
+            <a:spAutoFit/>
+          </a:bodyPr>
+          <a:lstStyle/>
+          <a:p>
+            <a:r>
+              <a:rPr lang="en-US" smtClean="0"/>
+              <a:t>Visible Loops</a:t>
+            </a:r>
+            <a:endParaRPr lang="en-US" dirty="0"/>
+          </a:p>
+        </p:txBody>
+      </p:sp>
+      <p:sp>
+        <p:nvSpPr>
+          <p:cNvPr id="10" name="TextBox 9"/>
+          <p:cNvSpPr txBox="1"/>
+          <p:nvPr/>
+        </p:nvSpPr>
+        <p:spPr>
+          <a:xfrm>
+            <a:off x="10384031" y="5316279"/>
+            <a:ext cx="1363002" cy="369332"/>
+          </a:xfrm>
+          <a:prstGeom prst="rect">
+            <a:avLst/>
+          </a:prstGeom>
+          <a:noFill/>
+        </p:spPr>
+        <p:txBody>
+          <a:bodyPr wrap="none" rtlCol="0">
+            <a:spAutoFit/>
+          </a:bodyPr>
+          <a:lstStyle/>
+          <a:p>
+            <a:r>
+              <a:rPr lang="en-US" dirty="0" smtClean="0"/>
+              <a:t>Visible Voids</a:t>
+            </a:r>
+            <a:endParaRPr lang="en-US" dirty="0"/>
+          </a:p>
+        </p:txBody>
+      </p:sp>
     </p:spTree>
     <p:extLst>
       <p:ext uri="{BB962C8B-B14F-4D97-AF65-F5344CB8AC3E}">
-        <p14:creationId xmlns:p14="http://schemas.microsoft.com/office/powerpoint/2010/main" val="1888450359"/>
+        <p14:creationId xmlns:p14="http://schemas.microsoft.com/office/powerpoint/2010/main" val="1524364700"/>
       </p:ext>
     </p:extLst>
   </p:cSld>
@@ -3322,10 +3856,190 @@
           </a:prstGeom>
         </p:spPr>
       </p:pic>
+      <p:sp>
+        <p:nvSpPr>
+          <p:cNvPr id="5" name="TextBox 4"/>
+          <p:cNvSpPr txBox="1"/>
+          <p:nvPr/>
+        </p:nvSpPr>
+        <p:spPr>
+          <a:xfrm>
+            <a:off x="967128" y="5330309"/>
+            <a:ext cx="423514" cy="369332"/>
+          </a:xfrm>
+          <a:prstGeom prst="rect">
+            <a:avLst/>
+          </a:prstGeom>
+          <a:noFill/>
+        </p:spPr>
+        <p:txBody>
+          <a:bodyPr wrap="none" rtlCol="0">
+            <a:spAutoFit/>
+          </a:bodyPr>
+          <a:lstStyle/>
+          <a:p>
+            <a:r>
+              <a:rPr lang="en-US" smtClean="0"/>
+              <a:t>All</a:t>
+            </a:r>
+            <a:endParaRPr lang="en-US"/>
+          </a:p>
+        </p:txBody>
+      </p:sp>
+      <p:sp>
+        <p:nvSpPr>
+          <p:cNvPr id="6" name="TextBox 5"/>
+          <p:cNvSpPr txBox="1"/>
+          <p:nvPr/>
+        </p:nvSpPr>
+        <p:spPr>
+          <a:xfrm>
+            <a:off x="2416701" y="5344339"/>
+            <a:ext cx="1406860" cy="369332"/>
+          </a:xfrm>
+          <a:prstGeom prst="rect">
+            <a:avLst/>
+          </a:prstGeom>
+          <a:noFill/>
+        </p:spPr>
+        <p:txBody>
+          <a:bodyPr wrap="none" rtlCol="0">
+            <a:spAutoFit/>
+          </a:bodyPr>
+          <a:lstStyle/>
+          <a:p>
+            <a:r>
+              <a:rPr lang="en-US" smtClean="0"/>
+              <a:t>Visible Loops</a:t>
+            </a:r>
+            <a:endParaRPr lang="en-US" dirty="0"/>
+          </a:p>
+        </p:txBody>
+      </p:sp>
+      <p:sp>
+        <p:nvSpPr>
+          <p:cNvPr id="7" name="TextBox 6"/>
+          <p:cNvSpPr txBox="1"/>
+          <p:nvPr/>
+        </p:nvSpPr>
+        <p:spPr>
+          <a:xfrm>
+            <a:off x="4440431" y="5330309"/>
+            <a:ext cx="1363002" cy="369332"/>
+          </a:xfrm>
+          <a:prstGeom prst="rect">
+            <a:avLst/>
+          </a:prstGeom>
+          <a:noFill/>
+        </p:spPr>
+        <p:txBody>
+          <a:bodyPr wrap="none" rtlCol="0">
+            <a:spAutoFit/>
+          </a:bodyPr>
+          <a:lstStyle/>
+          <a:p>
+            <a:r>
+              <a:rPr lang="en-US" dirty="0" smtClean="0"/>
+              <a:t>Visible Voids</a:t>
+            </a:r>
+            <a:endParaRPr lang="en-US" dirty="0"/>
+          </a:p>
+        </p:txBody>
+      </p:sp>
+      <p:sp>
+        <p:nvSpPr>
+          <p:cNvPr id="8" name="TextBox 7"/>
+          <p:cNvSpPr txBox="1"/>
+          <p:nvPr/>
+        </p:nvSpPr>
+        <p:spPr>
+          <a:xfrm>
+            <a:off x="6910728" y="5316279"/>
+            <a:ext cx="423514" cy="369332"/>
+          </a:xfrm>
+          <a:prstGeom prst="rect">
+            <a:avLst/>
+          </a:prstGeom>
+          <a:noFill/>
+        </p:spPr>
+        <p:txBody>
+          <a:bodyPr wrap="none" rtlCol="0">
+            <a:spAutoFit/>
+          </a:bodyPr>
+          <a:lstStyle/>
+          <a:p>
+            <a:r>
+              <a:rPr lang="en-US" smtClean="0"/>
+              <a:t>All</a:t>
+            </a:r>
+            <a:endParaRPr lang="en-US"/>
+          </a:p>
+        </p:txBody>
+      </p:sp>
+      <p:sp>
+        <p:nvSpPr>
+          <p:cNvPr id="9" name="TextBox 8"/>
+          <p:cNvSpPr txBox="1"/>
+          <p:nvPr/>
+        </p:nvSpPr>
+        <p:spPr>
+          <a:xfrm>
+            <a:off x="8360301" y="5330309"/>
+            <a:ext cx="1406860" cy="369332"/>
+          </a:xfrm>
+          <a:prstGeom prst="rect">
+            <a:avLst/>
+          </a:prstGeom>
+          <a:noFill/>
+        </p:spPr>
+        <p:txBody>
+          <a:bodyPr wrap="none" rtlCol="0">
+            <a:spAutoFit/>
+          </a:bodyPr>
+          <a:lstStyle/>
+          <a:p>
+            <a:r>
+              <a:rPr lang="en-US" smtClean="0"/>
+              <a:t>Visible Loops</a:t>
+            </a:r>
+            <a:endParaRPr lang="en-US" dirty="0"/>
+          </a:p>
+        </p:txBody>
+      </p:sp>
+      <p:sp>
+        <p:nvSpPr>
+          <p:cNvPr id="10" name="TextBox 9"/>
+          <p:cNvSpPr txBox="1"/>
+          <p:nvPr/>
+        </p:nvSpPr>
+        <p:spPr>
+          <a:xfrm>
+            <a:off x="10384031" y="5316279"/>
+            <a:ext cx="1363002" cy="369332"/>
+          </a:xfrm>
+          <a:prstGeom prst="rect">
+            <a:avLst/>
+          </a:prstGeom>
+          <a:noFill/>
+        </p:spPr>
+        <p:txBody>
+          <a:bodyPr wrap="none" rtlCol="0">
+            <a:spAutoFit/>
+          </a:bodyPr>
+          <a:lstStyle/>
+          <a:p>
+            <a:r>
+              <a:rPr lang="en-US" dirty="0" smtClean="0"/>
+              <a:t>Visible Voids</a:t>
+            </a:r>
+            <a:endParaRPr lang="en-US" dirty="0"/>
+          </a:p>
+        </p:txBody>
+      </p:sp>
     </p:spTree>
     <p:extLst>
       <p:ext uri="{BB962C8B-B14F-4D97-AF65-F5344CB8AC3E}">
-        <p14:creationId xmlns:p14="http://schemas.microsoft.com/office/powerpoint/2010/main" val="1020892206"/>
+        <p14:creationId xmlns:p14="http://schemas.microsoft.com/office/powerpoint/2010/main" val="1888450359"/>
       </p:ext>
     </p:extLst>
   </p:cSld>
@@ -3419,10 +4133,190 @@
           </a:prstGeom>
         </p:spPr>
       </p:pic>
+      <p:sp>
+        <p:nvSpPr>
+          <p:cNvPr id="5" name="TextBox 4"/>
+          <p:cNvSpPr txBox="1"/>
+          <p:nvPr/>
+        </p:nvSpPr>
+        <p:spPr>
+          <a:xfrm>
+            <a:off x="967128" y="5330309"/>
+            <a:ext cx="423514" cy="369332"/>
+          </a:xfrm>
+          <a:prstGeom prst="rect">
+            <a:avLst/>
+          </a:prstGeom>
+          <a:noFill/>
+        </p:spPr>
+        <p:txBody>
+          <a:bodyPr wrap="none" rtlCol="0">
+            <a:spAutoFit/>
+          </a:bodyPr>
+          <a:lstStyle/>
+          <a:p>
+            <a:r>
+              <a:rPr lang="en-US" smtClean="0"/>
+              <a:t>All</a:t>
+            </a:r>
+            <a:endParaRPr lang="en-US"/>
+          </a:p>
+        </p:txBody>
+      </p:sp>
+      <p:sp>
+        <p:nvSpPr>
+          <p:cNvPr id="6" name="TextBox 5"/>
+          <p:cNvSpPr txBox="1"/>
+          <p:nvPr/>
+        </p:nvSpPr>
+        <p:spPr>
+          <a:xfrm>
+            <a:off x="2416701" y="5344339"/>
+            <a:ext cx="1406860" cy="369332"/>
+          </a:xfrm>
+          <a:prstGeom prst="rect">
+            <a:avLst/>
+          </a:prstGeom>
+          <a:noFill/>
+        </p:spPr>
+        <p:txBody>
+          <a:bodyPr wrap="none" rtlCol="0">
+            <a:spAutoFit/>
+          </a:bodyPr>
+          <a:lstStyle/>
+          <a:p>
+            <a:r>
+              <a:rPr lang="en-US" smtClean="0"/>
+              <a:t>Visible Loops</a:t>
+            </a:r>
+            <a:endParaRPr lang="en-US" dirty="0"/>
+          </a:p>
+        </p:txBody>
+      </p:sp>
+      <p:sp>
+        <p:nvSpPr>
+          <p:cNvPr id="7" name="TextBox 6"/>
+          <p:cNvSpPr txBox="1"/>
+          <p:nvPr/>
+        </p:nvSpPr>
+        <p:spPr>
+          <a:xfrm>
+            <a:off x="4440431" y="5330309"/>
+            <a:ext cx="1363002" cy="369332"/>
+          </a:xfrm>
+          <a:prstGeom prst="rect">
+            <a:avLst/>
+          </a:prstGeom>
+          <a:noFill/>
+        </p:spPr>
+        <p:txBody>
+          <a:bodyPr wrap="none" rtlCol="0">
+            <a:spAutoFit/>
+          </a:bodyPr>
+          <a:lstStyle/>
+          <a:p>
+            <a:r>
+              <a:rPr lang="en-US" dirty="0" smtClean="0"/>
+              <a:t>Visible Voids</a:t>
+            </a:r>
+            <a:endParaRPr lang="en-US" dirty="0"/>
+          </a:p>
+        </p:txBody>
+      </p:sp>
+      <p:sp>
+        <p:nvSpPr>
+          <p:cNvPr id="8" name="TextBox 7"/>
+          <p:cNvSpPr txBox="1"/>
+          <p:nvPr/>
+        </p:nvSpPr>
+        <p:spPr>
+          <a:xfrm>
+            <a:off x="6910728" y="5316279"/>
+            <a:ext cx="423514" cy="369332"/>
+          </a:xfrm>
+          <a:prstGeom prst="rect">
+            <a:avLst/>
+          </a:prstGeom>
+          <a:noFill/>
+        </p:spPr>
+        <p:txBody>
+          <a:bodyPr wrap="none" rtlCol="0">
+            <a:spAutoFit/>
+          </a:bodyPr>
+          <a:lstStyle/>
+          <a:p>
+            <a:r>
+              <a:rPr lang="en-US" smtClean="0"/>
+              <a:t>All</a:t>
+            </a:r>
+            <a:endParaRPr lang="en-US"/>
+          </a:p>
+        </p:txBody>
+      </p:sp>
+      <p:sp>
+        <p:nvSpPr>
+          <p:cNvPr id="9" name="TextBox 8"/>
+          <p:cNvSpPr txBox="1"/>
+          <p:nvPr/>
+        </p:nvSpPr>
+        <p:spPr>
+          <a:xfrm>
+            <a:off x="8360301" y="5330309"/>
+            <a:ext cx="1406860" cy="369332"/>
+          </a:xfrm>
+          <a:prstGeom prst="rect">
+            <a:avLst/>
+          </a:prstGeom>
+          <a:noFill/>
+        </p:spPr>
+        <p:txBody>
+          <a:bodyPr wrap="none" rtlCol="0">
+            <a:spAutoFit/>
+          </a:bodyPr>
+          <a:lstStyle/>
+          <a:p>
+            <a:r>
+              <a:rPr lang="en-US" smtClean="0"/>
+              <a:t>Visible Loops</a:t>
+            </a:r>
+            <a:endParaRPr lang="en-US" dirty="0"/>
+          </a:p>
+        </p:txBody>
+      </p:sp>
+      <p:sp>
+        <p:nvSpPr>
+          <p:cNvPr id="10" name="TextBox 9"/>
+          <p:cNvSpPr txBox="1"/>
+          <p:nvPr/>
+        </p:nvSpPr>
+        <p:spPr>
+          <a:xfrm>
+            <a:off x="10384031" y="5316279"/>
+            <a:ext cx="1363002" cy="369332"/>
+          </a:xfrm>
+          <a:prstGeom prst="rect">
+            <a:avLst/>
+          </a:prstGeom>
+          <a:noFill/>
+        </p:spPr>
+        <p:txBody>
+          <a:bodyPr wrap="none" rtlCol="0">
+            <a:spAutoFit/>
+          </a:bodyPr>
+          <a:lstStyle/>
+          <a:p>
+            <a:r>
+              <a:rPr lang="en-US" dirty="0" smtClean="0"/>
+              <a:t>Visible Voids</a:t>
+            </a:r>
+            <a:endParaRPr lang="en-US" dirty="0"/>
+          </a:p>
+        </p:txBody>
+      </p:sp>
     </p:spTree>
     <p:extLst>
       <p:ext uri="{BB962C8B-B14F-4D97-AF65-F5344CB8AC3E}">
-        <p14:creationId xmlns:p14="http://schemas.microsoft.com/office/powerpoint/2010/main" val="1217611267"/>
+        <p14:creationId xmlns:p14="http://schemas.microsoft.com/office/powerpoint/2010/main" val="1020892206"/>
       </p:ext>
     </p:extLst>
   </p:cSld>
@@ -3516,10 +4410,190 @@
           </a:prstGeom>
         </p:spPr>
       </p:pic>
+      <p:sp>
+        <p:nvSpPr>
+          <p:cNvPr id="5" name="TextBox 4"/>
+          <p:cNvSpPr txBox="1"/>
+          <p:nvPr/>
+        </p:nvSpPr>
+        <p:spPr>
+          <a:xfrm>
+            <a:off x="967128" y="5330309"/>
+            <a:ext cx="423514" cy="369332"/>
+          </a:xfrm>
+          <a:prstGeom prst="rect">
+            <a:avLst/>
+          </a:prstGeom>
+          <a:noFill/>
+        </p:spPr>
+        <p:txBody>
+          <a:bodyPr wrap="none" rtlCol="0">
+            <a:spAutoFit/>
+          </a:bodyPr>
+          <a:lstStyle/>
+          <a:p>
+            <a:r>
+              <a:rPr lang="en-US" smtClean="0"/>
+              <a:t>All</a:t>
+            </a:r>
+            <a:endParaRPr lang="en-US"/>
+          </a:p>
+        </p:txBody>
+      </p:sp>
+      <p:sp>
+        <p:nvSpPr>
+          <p:cNvPr id="6" name="TextBox 5"/>
+          <p:cNvSpPr txBox="1"/>
+          <p:nvPr/>
+        </p:nvSpPr>
+        <p:spPr>
+          <a:xfrm>
+            <a:off x="2416701" y="5344339"/>
+            <a:ext cx="1406860" cy="369332"/>
+          </a:xfrm>
+          <a:prstGeom prst="rect">
+            <a:avLst/>
+          </a:prstGeom>
+          <a:noFill/>
+        </p:spPr>
+        <p:txBody>
+          <a:bodyPr wrap="none" rtlCol="0">
+            <a:spAutoFit/>
+          </a:bodyPr>
+          <a:lstStyle/>
+          <a:p>
+            <a:r>
+              <a:rPr lang="en-US" smtClean="0"/>
+              <a:t>Visible Loops</a:t>
+            </a:r>
+            <a:endParaRPr lang="en-US" dirty="0"/>
+          </a:p>
+        </p:txBody>
+      </p:sp>
+      <p:sp>
+        <p:nvSpPr>
+          <p:cNvPr id="7" name="TextBox 6"/>
+          <p:cNvSpPr txBox="1"/>
+          <p:nvPr/>
+        </p:nvSpPr>
+        <p:spPr>
+          <a:xfrm>
+            <a:off x="4440431" y="5330309"/>
+            <a:ext cx="1363002" cy="369332"/>
+          </a:xfrm>
+          <a:prstGeom prst="rect">
+            <a:avLst/>
+          </a:prstGeom>
+          <a:noFill/>
+        </p:spPr>
+        <p:txBody>
+          <a:bodyPr wrap="none" rtlCol="0">
+            <a:spAutoFit/>
+          </a:bodyPr>
+          <a:lstStyle/>
+          <a:p>
+            <a:r>
+              <a:rPr lang="en-US" dirty="0" smtClean="0"/>
+              <a:t>Visible Voids</a:t>
+            </a:r>
+            <a:endParaRPr lang="en-US" dirty="0"/>
+          </a:p>
+        </p:txBody>
+      </p:sp>
+      <p:sp>
+        <p:nvSpPr>
+          <p:cNvPr id="8" name="TextBox 7"/>
+          <p:cNvSpPr txBox="1"/>
+          <p:nvPr/>
+        </p:nvSpPr>
+        <p:spPr>
+          <a:xfrm>
+            <a:off x="6910728" y="5316279"/>
+            <a:ext cx="423514" cy="369332"/>
+          </a:xfrm>
+          <a:prstGeom prst="rect">
+            <a:avLst/>
+          </a:prstGeom>
+          <a:noFill/>
+        </p:spPr>
+        <p:txBody>
+          <a:bodyPr wrap="none" rtlCol="0">
+            <a:spAutoFit/>
+          </a:bodyPr>
+          <a:lstStyle/>
+          <a:p>
+            <a:r>
+              <a:rPr lang="en-US" smtClean="0"/>
+              <a:t>All</a:t>
+            </a:r>
+            <a:endParaRPr lang="en-US"/>
+          </a:p>
+        </p:txBody>
+      </p:sp>
+      <p:sp>
+        <p:nvSpPr>
+          <p:cNvPr id="9" name="TextBox 8"/>
+          <p:cNvSpPr txBox="1"/>
+          <p:nvPr/>
+        </p:nvSpPr>
+        <p:spPr>
+          <a:xfrm>
+            <a:off x="8360301" y="5330309"/>
+            <a:ext cx="1406860" cy="369332"/>
+          </a:xfrm>
+          <a:prstGeom prst="rect">
+            <a:avLst/>
+          </a:prstGeom>
+          <a:noFill/>
+        </p:spPr>
+        <p:txBody>
+          <a:bodyPr wrap="none" rtlCol="0">
+            <a:spAutoFit/>
+          </a:bodyPr>
+          <a:lstStyle/>
+          <a:p>
+            <a:r>
+              <a:rPr lang="en-US" smtClean="0"/>
+              <a:t>Visible Loops</a:t>
+            </a:r>
+            <a:endParaRPr lang="en-US" dirty="0"/>
+          </a:p>
+        </p:txBody>
+      </p:sp>
+      <p:sp>
+        <p:nvSpPr>
+          <p:cNvPr id="10" name="TextBox 9"/>
+          <p:cNvSpPr txBox="1"/>
+          <p:nvPr/>
+        </p:nvSpPr>
+        <p:spPr>
+          <a:xfrm>
+            <a:off x="10384031" y="5316279"/>
+            <a:ext cx="1363002" cy="369332"/>
+          </a:xfrm>
+          <a:prstGeom prst="rect">
+            <a:avLst/>
+          </a:prstGeom>
+          <a:noFill/>
+        </p:spPr>
+        <p:txBody>
+          <a:bodyPr wrap="none" rtlCol="0">
+            <a:spAutoFit/>
+          </a:bodyPr>
+          <a:lstStyle/>
+          <a:p>
+            <a:r>
+              <a:rPr lang="en-US" dirty="0" smtClean="0"/>
+              <a:t>Visible Voids</a:t>
+            </a:r>
+            <a:endParaRPr lang="en-US" dirty="0"/>
+          </a:p>
+        </p:txBody>
+      </p:sp>
     </p:spTree>
     <p:extLst>
       <p:ext uri="{BB962C8B-B14F-4D97-AF65-F5344CB8AC3E}">
-        <p14:creationId xmlns:p14="http://schemas.microsoft.com/office/powerpoint/2010/main" val="1407238354"/>
+        <p14:creationId xmlns:p14="http://schemas.microsoft.com/office/powerpoint/2010/main" val="1217611267"/>
       </p:ext>
     </p:extLst>
   </p:cSld>
@@ -3613,10 +4687,190 @@
           </a:prstGeom>
         </p:spPr>
       </p:pic>
+      <p:sp>
+        <p:nvSpPr>
+          <p:cNvPr id="5" name="TextBox 4"/>
+          <p:cNvSpPr txBox="1"/>
+          <p:nvPr/>
+        </p:nvSpPr>
+        <p:spPr>
+          <a:xfrm>
+            <a:off x="967128" y="5330309"/>
+            <a:ext cx="423514" cy="369332"/>
+          </a:xfrm>
+          <a:prstGeom prst="rect">
+            <a:avLst/>
+          </a:prstGeom>
+          <a:noFill/>
+        </p:spPr>
+        <p:txBody>
+          <a:bodyPr wrap="none" rtlCol="0">
+            <a:spAutoFit/>
+          </a:bodyPr>
+          <a:lstStyle/>
+          <a:p>
+            <a:r>
+              <a:rPr lang="en-US" smtClean="0"/>
+              <a:t>All</a:t>
+            </a:r>
+            <a:endParaRPr lang="en-US"/>
+          </a:p>
+        </p:txBody>
+      </p:sp>
+      <p:sp>
+        <p:nvSpPr>
+          <p:cNvPr id="6" name="TextBox 5"/>
+          <p:cNvSpPr txBox="1"/>
+          <p:nvPr/>
+        </p:nvSpPr>
+        <p:spPr>
+          <a:xfrm>
+            <a:off x="2416701" y="5344339"/>
+            <a:ext cx="1406860" cy="369332"/>
+          </a:xfrm>
+          <a:prstGeom prst="rect">
+            <a:avLst/>
+          </a:prstGeom>
+          <a:noFill/>
+        </p:spPr>
+        <p:txBody>
+          <a:bodyPr wrap="none" rtlCol="0">
+            <a:spAutoFit/>
+          </a:bodyPr>
+          <a:lstStyle/>
+          <a:p>
+            <a:r>
+              <a:rPr lang="en-US" smtClean="0"/>
+              <a:t>Visible Loops</a:t>
+            </a:r>
+            <a:endParaRPr lang="en-US" dirty="0"/>
+          </a:p>
+        </p:txBody>
+      </p:sp>
+      <p:sp>
+        <p:nvSpPr>
+          <p:cNvPr id="7" name="TextBox 6"/>
+          <p:cNvSpPr txBox="1"/>
+          <p:nvPr/>
+        </p:nvSpPr>
+        <p:spPr>
+          <a:xfrm>
+            <a:off x="4440431" y="5330309"/>
+            <a:ext cx="1363002" cy="369332"/>
+          </a:xfrm>
+          <a:prstGeom prst="rect">
+            <a:avLst/>
+          </a:prstGeom>
+          <a:noFill/>
+        </p:spPr>
+        <p:txBody>
+          <a:bodyPr wrap="none" rtlCol="0">
+            <a:spAutoFit/>
+          </a:bodyPr>
+          <a:lstStyle/>
+          <a:p>
+            <a:r>
+              <a:rPr lang="en-US" dirty="0" smtClean="0"/>
+              <a:t>Visible Voids</a:t>
+            </a:r>
+            <a:endParaRPr lang="en-US" dirty="0"/>
+          </a:p>
+        </p:txBody>
+      </p:sp>
+      <p:sp>
+        <p:nvSpPr>
+          <p:cNvPr id="8" name="TextBox 7"/>
+          <p:cNvSpPr txBox="1"/>
+          <p:nvPr/>
+        </p:nvSpPr>
+        <p:spPr>
+          <a:xfrm>
+            <a:off x="6910728" y="5316279"/>
+            <a:ext cx="423514" cy="369332"/>
+          </a:xfrm>
+          <a:prstGeom prst="rect">
+            <a:avLst/>
+          </a:prstGeom>
+          <a:noFill/>
+        </p:spPr>
+        <p:txBody>
+          <a:bodyPr wrap="none" rtlCol="0">
+            <a:spAutoFit/>
+          </a:bodyPr>
+          <a:lstStyle/>
+          <a:p>
+            <a:r>
+              <a:rPr lang="en-US" smtClean="0"/>
+              <a:t>All</a:t>
+            </a:r>
+            <a:endParaRPr lang="en-US"/>
+          </a:p>
+        </p:txBody>
+      </p:sp>
+      <p:sp>
+        <p:nvSpPr>
+          <p:cNvPr id="9" name="TextBox 8"/>
+          <p:cNvSpPr txBox="1"/>
+          <p:nvPr/>
+        </p:nvSpPr>
+        <p:spPr>
+          <a:xfrm>
+            <a:off x="8360301" y="5330309"/>
+            <a:ext cx="1406860" cy="369332"/>
+          </a:xfrm>
+          <a:prstGeom prst="rect">
+            <a:avLst/>
+          </a:prstGeom>
+          <a:noFill/>
+        </p:spPr>
+        <p:txBody>
+          <a:bodyPr wrap="none" rtlCol="0">
+            <a:spAutoFit/>
+          </a:bodyPr>
+          <a:lstStyle/>
+          <a:p>
+            <a:r>
+              <a:rPr lang="en-US" smtClean="0"/>
+              <a:t>Visible Loops</a:t>
+            </a:r>
+            <a:endParaRPr lang="en-US" dirty="0"/>
+          </a:p>
+        </p:txBody>
+      </p:sp>
+      <p:sp>
+        <p:nvSpPr>
+          <p:cNvPr id="10" name="TextBox 9"/>
+          <p:cNvSpPr txBox="1"/>
+          <p:nvPr/>
+        </p:nvSpPr>
+        <p:spPr>
+          <a:xfrm>
+            <a:off x="10384031" y="5316279"/>
+            <a:ext cx="1363002" cy="369332"/>
+          </a:xfrm>
+          <a:prstGeom prst="rect">
+            <a:avLst/>
+          </a:prstGeom>
+          <a:noFill/>
+        </p:spPr>
+        <p:txBody>
+          <a:bodyPr wrap="none" rtlCol="0">
+            <a:spAutoFit/>
+          </a:bodyPr>
+          <a:lstStyle/>
+          <a:p>
+            <a:r>
+              <a:rPr lang="en-US" dirty="0" smtClean="0"/>
+              <a:t>Visible Voids</a:t>
+            </a:r>
+            <a:endParaRPr lang="en-US" dirty="0"/>
+          </a:p>
+        </p:txBody>
+      </p:sp>
     </p:spTree>
     <p:extLst>
       <p:ext uri="{BB962C8B-B14F-4D97-AF65-F5344CB8AC3E}">
-        <p14:creationId xmlns:p14="http://schemas.microsoft.com/office/powerpoint/2010/main" val="2005739159"/>
+        <p14:creationId xmlns:p14="http://schemas.microsoft.com/office/powerpoint/2010/main" val="1407238354"/>
       </p:ext>
     </p:extLst>
   </p:cSld>
@@ -3652,7 +4906,7 @@
       </p:grpSpPr>
       <p:pic>
         <p:nvPicPr>
-          <p:cNvPr id="2" name="Picture 1"/>
+          <p:cNvPr id="4" name="Picture 3"/>
           <p:cNvPicPr>
             <a:picLocks noChangeAspect="1"/>
           </p:cNvPicPr>
@@ -3682,7 +4936,7 @@
       </p:pic>
       <p:pic>
         <p:nvPicPr>
-          <p:cNvPr id="3" name="Picture 2"/>
+          <p:cNvPr id="2" name="Picture 1"/>
           <p:cNvPicPr>
             <a:picLocks noChangeAspect="1"/>
           </p:cNvPicPr>
@@ -3703,6 +4957,253 @@
         <p:spPr>
           <a:xfrm>
             <a:off x="5943600" y="0"/>
+            <a:ext cx="5943600" cy="5330311"/>
+          </a:xfrm>
+          <a:prstGeom prst="rect">
+            <a:avLst/>
+          </a:prstGeom>
+        </p:spPr>
+      </p:pic>
+      <p:sp>
+        <p:nvSpPr>
+          <p:cNvPr id="5" name="TextBox 4"/>
+          <p:cNvSpPr txBox="1"/>
+          <p:nvPr/>
+        </p:nvSpPr>
+        <p:spPr>
+          <a:xfrm>
+            <a:off x="967128" y="5330309"/>
+            <a:ext cx="423514" cy="369332"/>
+          </a:xfrm>
+          <a:prstGeom prst="rect">
+            <a:avLst/>
+          </a:prstGeom>
+          <a:noFill/>
+        </p:spPr>
+        <p:txBody>
+          <a:bodyPr wrap="none" rtlCol="0">
+            <a:spAutoFit/>
+          </a:bodyPr>
+          <a:lstStyle/>
+          <a:p>
+            <a:r>
+              <a:rPr lang="en-US" smtClean="0"/>
+              <a:t>All</a:t>
+            </a:r>
+            <a:endParaRPr lang="en-US"/>
+          </a:p>
+        </p:txBody>
+      </p:sp>
+      <p:sp>
+        <p:nvSpPr>
+          <p:cNvPr id="6" name="TextBox 5"/>
+          <p:cNvSpPr txBox="1"/>
+          <p:nvPr/>
+        </p:nvSpPr>
+        <p:spPr>
+          <a:xfrm>
+            <a:off x="2416701" y="5344339"/>
+            <a:ext cx="1406860" cy="369332"/>
+          </a:xfrm>
+          <a:prstGeom prst="rect">
+            <a:avLst/>
+          </a:prstGeom>
+          <a:noFill/>
+        </p:spPr>
+        <p:txBody>
+          <a:bodyPr wrap="none" rtlCol="0">
+            <a:spAutoFit/>
+          </a:bodyPr>
+          <a:lstStyle/>
+          <a:p>
+            <a:r>
+              <a:rPr lang="en-US" smtClean="0"/>
+              <a:t>Visible Loops</a:t>
+            </a:r>
+            <a:endParaRPr lang="en-US" dirty="0"/>
+          </a:p>
+        </p:txBody>
+      </p:sp>
+      <p:sp>
+        <p:nvSpPr>
+          <p:cNvPr id="7" name="TextBox 6"/>
+          <p:cNvSpPr txBox="1"/>
+          <p:nvPr/>
+        </p:nvSpPr>
+        <p:spPr>
+          <a:xfrm>
+            <a:off x="4440431" y="5330309"/>
+            <a:ext cx="1363002" cy="369332"/>
+          </a:xfrm>
+          <a:prstGeom prst="rect">
+            <a:avLst/>
+          </a:prstGeom>
+          <a:noFill/>
+        </p:spPr>
+        <p:txBody>
+          <a:bodyPr wrap="none" rtlCol="0">
+            <a:spAutoFit/>
+          </a:bodyPr>
+          <a:lstStyle/>
+          <a:p>
+            <a:r>
+              <a:rPr lang="en-US" dirty="0" smtClean="0"/>
+              <a:t>Visible Voids</a:t>
+            </a:r>
+            <a:endParaRPr lang="en-US" dirty="0"/>
+          </a:p>
+        </p:txBody>
+      </p:sp>
+      <p:sp>
+        <p:nvSpPr>
+          <p:cNvPr id="8" name="TextBox 7"/>
+          <p:cNvSpPr txBox="1"/>
+          <p:nvPr/>
+        </p:nvSpPr>
+        <p:spPr>
+          <a:xfrm>
+            <a:off x="6910728" y="5316279"/>
+            <a:ext cx="423514" cy="369332"/>
+          </a:xfrm>
+          <a:prstGeom prst="rect">
+            <a:avLst/>
+          </a:prstGeom>
+          <a:noFill/>
+        </p:spPr>
+        <p:txBody>
+          <a:bodyPr wrap="none" rtlCol="0">
+            <a:spAutoFit/>
+          </a:bodyPr>
+          <a:lstStyle/>
+          <a:p>
+            <a:r>
+              <a:rPr lang="en-US" smtClean="0"/>
+              <a:t>All</a:t>
+            </a:r>
+            <a:endParaRPr lang="en-US"/>
+          </a:p>
+        </p:txBody>
+      </p:sp>
+      <p:sp>
+        <p:nvSpPr>
+          <p:cNvPr id="9" name="TextBox 8"/>
+          <p:cNvSpPr txBox="1"/>
+          <p:nvPr/>
+        </p:nvSpPr>
+        <p:spPr>
+          <a:xfrm>
+            <a:off x="8360301" y="5330309"/>
+            <a:ext cx="1406860" cy="369332"/>
+          </a:xfrm>
+          <a:prstGeom prst="rect">
+            <a:avLst/>
+          </a:prstGeom>
+          <a:noFill/>
+        </p:spPr>
+        <p:txBody>
+          <a:bodyPr wrap="none" rtlCol="0">
+            <a:spAutoFit/>
+          </a:bodyPr>
+          <a:lstStyle/>
+          <a:p>
+            <a:r>
+              <a:rPr lang="en-US" smtClean="0"/>
+              <a:t>Visible Loops</a:t>
+            </a:r>
+            <a:endParaRPr lang="en-US" dirty="0"/>
+          </a:p>
+        </p:txBody>
+      </p:sp>
+      <p:sp>
+        <p:nvSpPr>
+          <p:cNvPr id="10" name="TextBox 9"/>
+          <p:cNvSpPr txBox="1"/>
+          <p:nvPr/>
+        </p:nvSpPr>
+        <p:spPr>
+          <a:xfrm>
+            <a:off x="10384031" y="5316279"/>
+            <a:ext cx="1363002" cy="369332"/>
+          </a:xfrm>
+          <a:prstGeom prst="rect">
+            <a:avLst/>
+          </a:prstGeom>
+          <a:noFill/>
+        </p:spPr>
+        <p:txBody>
+          <a:bodyPr wrap="none" rtlCol="0">
+            <a:spAutoFit/>
+          </a:bodyPr>
+          <a:lstStyle/>
+          <a:p>
+            <a:r>
+              <a:rPr lang="en-US" dirty="0" smtClean="0"/>
+              <a:t>Visible Voids</a:t>
+            </a:r>
+            <a:endParaRPr lang="en-US" dirty="0"/>
+          </a:p>
+        </p:txBody>
+      </p:sp>
+    </p:spTree>
+    <p:extLst>
+      <p:ext uri="{BB962C8B-B14F-4D97-AF65-F5344CB8AC3E}">
+        <p14:creationId xmlns:p14="http://schemas.microsoft.com/office/powerpoint/2010/main" val="2005739159"/>
+      </p:ext>
+    </p:extLst>
+  </p:cSld>
+  <p:clrMapOvr>
+    <a:masterClrMapping/>
+  </p:clrMapOvr>
+  <p:timing>
+    <p:tnLst>
+      <p:par>
+        <p:cTn id="1" dur="indefinite" restart="never" nodeType="tmRoot"/>
+      </p:par>
+    </p:tnLst>
+  </p:timing>
+</p:sld>
+</file>
+
+<file path=ppt/slides/slide9.xml><?xml version="1.0" encoding="utf-8"?>
+<p:sld xmlns:a="http://schemas.openxmlformats.org/drawingml/2006/main" xmlns:r="http://schemas.openxmlformats.org/officeDocument/2006/relationships" xmlns:p="http://schemas.openxmlformats.org/presentationml/2006/main">
+  <p:cSld>
+    <p:spTree>
+      <p:nvGrpSpPr>
+        <p:cNvPr id="1" name=""/>
+        <p:cNvGrpSpPr/>
+        <p:nvPr/>
+      </p:nvGrpSpPr>
+      <p:grpSpPr>
+        <a:xfrm>
+          <a:off x="0" y="0"/>
+          <a:ext cx="0" cy="0"/>
+          <a:chOff x="0" y="0"/>
+          <a:chExt cx="0" cy="0"/>
+        </a:xfrm>
+      </p:grpSpPr>
+      <p:pic>
+        <p:nvPicPr>
+          <p:cNvPr id="2" name="Picture 1"/>
+          <p:cNvPicPr>
+            <a:picLocks noChangeAspect="1"/>
+          </p:cNvPicPr>
+          <p:nvPr/>
+        </p:nvPicPr>
+        <p:blipFill>
+          <a:blip r:embed="rId2">
+            <a:extLst>
+              <a:ext uri="{28A0092B-C50C-407E-A947-70E740481C1C}">
+                <a14:useLocalDpi xmlns:a14="http://schemas.microsoft.com/office/drawing/2010/main" val="0"/>
+              </a:ext>
+            </a:extLst>
+          </a:blip>
+          <a:stretch>
+            <a:fillRect/>
+          </a:stretch>
+        </p:blipFill>
+        <p:spPr>
+          <a:xfrm>
+            <a:off x="0" y="0"/>
             <a:ext cx="5943600" cy="5330309"/>
           </a:xfrm>
           <a:prstGeom prst="rect">
@@ -3710,6 +5211,246 @@
           </a:prstGeom>
         </p:spPr>
       </p:pic>
+      <p:pic>
+        <p:nvPicPr>
+          <p:cNvPr id="3" name="Picture 2"/>
+          <p:cNvPicPr>
+            <a:picLocks noChangeAspect="1"/>
+          </p:cNvPicPr>
+          <p:nvPr/>
+        </p:nvPicPr>
+        <p:blipFill>
+          <a:blip r:embed="rId3">
+            <a:extLst>
+              <a:ext uri="{28A0092B-C50C-407E-A947-70E740481C1C}">
+                <a14:useLocalDpi xmlns:a14="http://schemas.microsoft.com/office/drawing/2010/main" val="0"/>
+              </a:ext>
+            </a:extLst>
+          </a:blip>
+          <a:stretch>
+            <a:fillRect/>
+          </a:stretch>
+        </p:blipFill>
+        <p:spPr>
+          <a:xfrm>
+            <a:off x="5943600" y="0"/>
+            <a:ext cx="5943600" cy="5330309"/>
+          </a:xfrm>
+          <a:prstGeom prst="rect">
+            <a:avLst/>
+          </a:prstGeom>
+        </p:spPr>
+      </p:pic>
+      <p:pic>
+        <p:nvPicPr>
+          <p:cNvPr id="4" name="Picture 3"/>
+          <p:cNvPicPr>
+            <a:picLocks noChangeAspect="1"/>
+          </p:cNvPicPr>
+          <p:nvPr/>
+        </p:nvPicPr>
+        <p:blipFill>
+          <a:blip r:embed="rId4">
+            <a:extLst>
+              <a:ext uri="{28A0092B-C50C-407E-A947-70E740481C1C}">
+                <a14:useLocalDpi xmlns:a14="http://schemas.microsoft.com/office/drawing/2010/main" val="0"/>
+              </a:ext>
+            </a:extLst>
+          </a:blip>
+          <a:stretch>
+            <a:fillRect/>
+          </a:stretch>
+        </p:blipFill>
+        <p:spPr>
+          <a:xfrm>
+            <a:off x="5943600" y="0"/>
+            <a:ext cx="5943600" cy="5330309"/>
+          </a:xfrm>
+          <a:prstGeom prst="rect">
+            <a:avLst/>
+          </a:prstGeom>
+        </p:spPr>
+      </p:pic>
+      <p:sp>
+        <p:nvSpPr>
+          <p:cNvPr id="5" name="TextBox 4"/>
+          <p:cNvSpPr txBox="1"/>
+          <p:nvPr/>
+        </p:nvSpPr>
+        <p:spPr>
+          <a:xfrm>
+            <a:off x="967128" y="5330309"/>
+            <a:ext cx="423514" cy="369332"/>
+          </a:xfrm>
+          <a:prstGeom prst="rect">
+            <a:avLst/>
+          </a:prstGeom>
+          <a:noFill/>
+        </p:spPr>
+        <p:txBody>
+          <a:bodyPr wrap="none" rtlCol="0">
+            <a:spAutoFit/>
+          </a:bodyPr>
+          <a:lstStyle/>
+          <a:p>
+            <a:r>
+              <a:rPr lang="en-US" smtClean="0"/>
+              <a:t>All</a:t>
+            </a:r>
+            <a:endParaRPr lang="en-US"/>
+          </a:p>
+        </p:txBody>
+      </p:sp>
+      <p:sp>
+        <p:nvSpPr>
+          <p:cNvPr id="6" name="TextBox 5"/>
+          <p:cNvSpPr txBox="1"/>
+          <p:nvPr/>
+        </p:nvSpPr>
+        <p:spPr>
+          <a:xfrm>
+            <a:off x="2416701" y="5344339"/>
+            <a:ext cx="1406860" cy="369332"/>
+          </a:xfrm>
+          <a:prstGeom prst="rect">
+            <a:avLst/>
+          </a:prstGeom>
+          <a:noFill/>
+        </p:spPr>
+        <p:txBody>
+          <a:bodyPr wrap="none" rtlCol="0">
+            <a:spAutoFit/>
+          </a:bodyPr>
+          <a:lstStyle/>
+          <a:p>
+            <a:r>
+              <a:rPr lang="en-US" smtClean="0"/>
+              <a:t>Visible Loops</a:t>
+            </a:r>
+            <a:endParaRPr lang="en-US" dirty="0"/>
+          </a:p>
+        </p:txBody>
+      </p:sp>
+      <p:sp>
+        <p:nvSpPr>
+          <p:cNvPr id="7" name="TextBox 6"/>
+          <p:cNvSpPr txBox="1"/>
+          <p:nvPr/>
+        </p:nvSpPr>
+        <p:spPr>
+          <a:xfrm>
+            <a:off x="4440431" y="5330309"/>
+            <a:ext cx="1363002" cy="369332"/>
+          </a:xfrm>
+          <a:prstGeom prst="rect">
+            <a:avLst/>
+          </a:prstGeom>
+          <a:noFill/>
+        </p:spPr>
+        <p:txBody>
+          <a:bodyPr wrap="none" rtlCol="0">
+            <a:spAutoFit/>
+          </a:bodyPr>
+          <a:lstStyle/>
+          <a:p>
+            <a:r>
+              <a:rPr lang="en-US" dirty="0" smtClean="0"/>
+              <a:t>Visible Voids</a:t>
+            </a:r>
+            <a:endParaRPr lang="en-US" dirty="0"/>
+          </a:p>
+        </p:txBody>
+      </p:sp>
+      <p:sp>
+        <p:nvSpPr>
+          <p:cNvPr id="8" name="TextBox 7"/>
+          <p:cNvSpPr txBox="1"/>
+          <p:nvPr/>
+        </p:nvSpPr>
+        <p:spPr>
+          <a:xfrm>
+            <a:off x="6910728" y="5316279"/>
+            <a:ext cx="423514" cy="369332"/>
+          </a:xfrm>
+          <a:prstGeom prst="rect">
+            <a:avLst/>
+          </a:prstGeom>
+          <a:noFill/>
+        </p:spPr>
+        <p:txBody>
+          <a:bodyPr wrap="none" rtlCol="0">
+            <a:spAutoFit/>
+          </a:bodyPr>
+          <a:lstStyle/>
+          <a:p>
+            <a:r>
+              <a:rPr lang="en-US" smtClean="0"/>
+              <a:t>All</a:t>
+            </a:r>
+            <a:endParaRPr lang="en-US"/>
+          </a:p>
+        </p:txBody>
+      </p:sp>
+      <p:sp>
+        <p:nvSpPr>
+          <p:cNvPr id="9" name="TextBox 8"/>
+          <p:cNvSpPr txBox="1"/>
+          <p:nvPr/>
+        </p:nvSpPr>
+        <p:spPr>
+          <a:xfrm>
+            <a:off x="8360301" y="5330309"/>
+            <a:ext cx="1406860" cy="369332"/>
+          </a:xfrm>
+          <a:prstGeom prst="rect">
+            <a:avLst/>
+          </a:prstGeom>
+          <a:noFill/>
+        </p:spPr>
+        <p:txBody>
+          <a:bodyPr wrap="none" rtlCol="0">
+            <a:spAutoFit/>
+          </a:bodyPr>
+          <a:lstStyle/>
+          <a:p>
+            <a:r>
+              <a:rPr lang="en-US" smtClean="0"/>
+              <a:t>Visible Loops</a:t>
+            </a:r>
+            <a:endParaRPr lang="en-US" dirty="0"/>
+          </a:p>
+        </p:txBody>
+      </p:sp>
+      <p:sp>
+        <p:nvSpPr>
+          <p:cNvPr id="10" name="TextBox 9"/>
+          <p:cNvSpPr txBox="1"/>
+          <p:nvPr/>
+        </p:nvSpPr>
+        <p:spPr>
+          <a:xfrm>
+            <a:off x="10384031" y="5316279"/>
+            <a:ext cx="1363002" cy="369332"/>
+          </a:xfrm>
+          <a:prstGeom prst="rect">
+            <a:avLst/>
+          </a:prstGeom>
+          <a:noFill/>
+        </p:spPr>
+        <p:txBody>
+          <a:bodyPr wrap="none" rtlCol="0">
+            <a:spAutoFit/>
+          </a:bodyPr>
+          <a:lstStyle/>
+          <a:p>
+            <a:r>
+              <a:rPr lang="en-US" dirty="0" smtClean="0"/>
+              <a:t>Visible Voids</a:t>
+            </a:r>
+            <a:endParaRPr lang="en-US" dirty="0"/>
+          </a:p>
+        </p:txBody>
+      </p:sp>
     </p:spTree>
     <p:extLst>
       <p:ext uri="{BB962C8B-B14F-4D97-AF65-F5344CB8AC3E}">
